--- a/notebook/img/slides.pptx
+++ b/notebook/img/slides.pptx
@@ -5,14 +5,16 @@
     <p:sldMasterId id="2147483660" r:id="rId1"/>
   </p:sldMasterIdLst>
   <p:notesMasterIdLst>
-    <p:notesMasterId r:id="rId4"/>
+    <p:notesMasterId r:id="rId6"/>
   </p:notesMasterIdLst>
   <p:handoutMasterIdLst>
-    <p:handoutMasterId r:id="rId5"/>
+    <p:handoutMasterId r:id="rId7"/>
   </p:handoutMasterIdLst>
   <p:sldIdLst>
     <p:sldId id="509" r:id="rId2"/>
     <p:sldId id="510" r:id="rId3"/>
+    <p:sldId id="512" r:id="rId4"/>
+    <p:sldId id="511" r:id="rId5"/>
   </p:sldIdLst>
   <p:sldSz cx="9144000" cy="5715000" type="screen16x10"/>
   <p:notesSz cx="6858000" cy="9144000"/>
@@ -698,7 +700,7 @@
           <a:p>
             <a:fld id="{EC781DCF-5BF5-FF46-8EF3-2622042BB47B}" type="datetimeFigureOut">
               <a:rPr kumimoji="1" lang="zh-CN" altLang="en-US" smtClean="0"/>
-              <a:t>20/4/5</a:t>
+              <a:t>20/4/6</a:t>
             </a:fld>
             <a:endParaRPr kumimoji="1" lang="zh-CN" altLang="en-US"/>
           </a:p>
@@ -900,7 +902,7 @@
           <a:p>
             <a:fld id="{4DD2693C-57C3-4914-8E69-D777D6AA2CC8}" type="datetimeFigureOut">
               <a:rPr lang="en-US" smtClean="0"/>
-              <a:t>20/4/5</a:t>
+              <a:t>20/4/6</a:t>
             </a:fld>
             <a:endParaRPr lang="en-US"/>
           </a:p>
@@ -1080,7 +1082,7 @@
           <a:p>
             <a:fld id="{4DD2693C-57C3-4914-8E69-D777D6AA2CC8}" type="datetimeFigureOut">
               <a:rPr lang="en-US" smtClean="0"/>
-              <a:t>20/4/5</a:t>
+              <a:t>20/4/6</a:t>
             </a:fld>
             <a:endParaRPr lang="en-US"/>
           </a:p>
@@ -1250,7 +1252,7 @@
           <a:p>
             <a:fld id="{4DD2693C-57C3-4914-8E69-D777D6AA2CC8}" type="datetimeFigureOut">
               <a:rPr lang="en-US" smtClean="0"/>
-              <a:t>20/4/5</a:t>
+              <a:t>20/4/6</a:t>
             </a:fld>
             <a:endParaRPr lang="en-US"/>
           </a:p>
@@ -1496,7 +1498,7 @@
           <a:p>
             <a:fld id="{4DD2693C-57C3-4914-8E69-D777D6AA2CC8}" type="datetimeFigureOut">
               <a:rPr lang="en-US" smtClean="0"/>
-              <a:t>20/4/5</a:t>
+              <a:t>20/4/6</a:t>
             </a:fld>
             <a:endParaRPr lang="en-US"/>
           </a:p>
@@ -1784,7 +1786,7 @@
           <a:p>
             <a:fld id="{4DD2693C-57C3-4914-8E69-D777D6AA2CC8}" type="datetimeFigureOut">
               <a:rPr lang="en-US" smtClean="0"/>
-              <a:t>20/4/5</a:t>
+              <a:t>20/4/6</a:t>
             </a:fld>
             <a:endParaRPr lang="en-US"/>
           </a:p>
@@ -2206,7 +2208,7 @@
           <a:p>
             <a:fld id="{4DD2693C-57C3-4914-8E69-D777D6AA2CC8}" type="datetimeFigureOut">
               <a:rPr lang="en-US" smtClean="0"/>
-              <a:t>20/4/5</a:t>
+              <a:t>20/4/6</a:t>
             </a:fld>
             <a:endParaRPr lang="en-US"/>
           </a:p>
@@ -2324,7 +2326,7 @@
           <a:p>
             <a:fld id="{4DD2693C-57C3-4914-8E69-D777D6AA2CC8}" type="datetimeFigureOut">
               <a:rPr lang="en-US" smtClean="0"/>
-              <a:t>20/4/5</a:t>
+              <a:t>20/4/6</a:t>
             </a:fld>
             <a:endParaRPr lang="en-US"/>
           </a:p>
@@ -2419,7 +2421,7 @@
           <a:p>
             <a:fld id="{4DD2693C-57C3-4914-8E69-D777D6AA2CC8}" type="datetimeFigureOut">
               <a:rPr lang="en-US" smtClean="0"/>
-              <a:t>20/4/5</a:t>
+              <a:t>20/4/6</a:t>
             </a:fld>
             <a:endParaRPr lang="en-US"/>
           </a:p>
@@ -2696,7 +2698,7 @@
           <a:p>
             <a:fld id="{4DD2693C-57C3-4914-8E69-D777D6AA2CC8}" type="datetimeFigureOut">
               <a:rPr lang="en-US" smtClean="0"/>
-              <a:t>20/4/5</a:t>
+              <a:t>20/4/6</a:t>
             </a:fld>
             <a:endParaRPr lang="en-US"/>
           </a:p>
@@ -2949,7 +2951,7 @@
           <a:p>
             <a:fld id="{4DD2693C-57C3-4914-8E69-D777D6AA2CC8}" type="datetimeFigureOut">
               <a:rPr lang="en-US" smtClean="0"/>
-              <a:t>20/4/5</a:t>
+              <a:t>20/4/6</a:t>
             </a:fld>
             <a:endParaRPr lang="en-US"/>
           </a:p>
@@ -3162,7 +3164,7 @@
           <a:p>
             <a:fld id="{EC781DCF-5BF5-FF46-8EF3-2622042BB47B}" type="datetimeFigureOut">
               <a:rPr kumimoji="1" lang="zh-CN" altLang="en-US" smtClean="0"/>
-              <a:t>20/4/5</a:t>
+              <a:t>20/4/6</a:t>
             </a:fld>
             <a:endParaRPr kumimoji="1" lang="zh-CN" altLang="en-US"/>
           </a:p>
@@ -3894,6 +3896,499 @@
     <p:extLst>
       <p:ext uri="{BB962C8B-B14F-4D97-AF65-F5344CB8AC3E}">
         <p14:creationId xmlns:p14="http://schemas.microsoft.com/office/powerpoint/2010/main" val="1406831912"/>
+      </p:ext>
+    </p:extLst>
+  </p:cSld>
+  <p:clrMapOvr>
+    <a:masterClrMapping/>
+  </p:clrMapOvr>
+</p:sld>
+</file>
+
+<file path=ppt/slides/slide3.xml><?xml version="1.0" encoding="utf-8"?>
+<p:sld xmlns:a="http://schemas.openxmlformats.org/drawingml/2006/main" xmlns:r="http://schemas.openxmlformats.org/officeDocument/2006/relationships" xmlns:p="http://schemas.openxmlformats.org/presentationml/2006/main">
+  <p:cSld>
+    <p:spTree>
+      <p:nvGrpSpPr>
+        <p:cNvPr id="1" name=""/>
+        <p:cNvGrpSpPr/>
+        <p:nvPr/>
+      </p:nvGrpSpPr>
+      <p:grpSpPr>
+        <a:xfrm>
+          <a:off x="0" y="0"/>
+          <a:ext cx="0" cy="0"/>
+          <a:chOff x="0" y="0"/>
+          <a:chExt cx="0" cy="0"/>
+        </a:xfrm>
+      </p:grpSpPr>
+      <p:pic>
+        <p:nvPicPr>
+          <p:cNvPr id="3" name="图片 2"/>
+          <p:cNvPicPr>
+            <a:picLocks noChangeAspect="1"/>
+          </p:cNvPicPr>
+          <p:nvPr/>
+        </p:nvPicPr>
+        <p:blipFill rotWithShape="1">
+          <a:blip r:embed="rId2"/>
+          <a:srcRect r="47808"/>
+          <a:stretch/>
+        </p:blipFill>
+        <p:spPr>
+          <a:xfrm>
+            <a:off x="0" y="1168143"/>
+            <a:ext cx="4772456" cy="3314915"/>
+          </a:xfrm>
+          <a:prstGeom prst="rect">
+            <a:avLst/>
+          </a:prstGeom>
+        </p:spPr>
+      </p:pic>
+      <p:sp>
+        <p:nvSpPr>
+          <p:cNvPr id="4" name="文本框 3"/>
+          <p:cNvSpPr txBox="1"/>
+          <p:nvPr/>
+        </p:nvSpPr>
+        <p:spPr>
+          <a:xfrm>
+            <a:off x="461850" y="2386061"/>
+            <a:ext cx="607859" cy="369332"/>
+          </a:xfrm>
+          <a:prstGeom prst="rect">
+            <a:avLst/>
+          </a:prstGeom>
+        </p:spPr>
+        <p:style>
+          <a:lnRef idx="0">
+            <a:schemeClr val="accent5"/>
+          </a:lnRef>
+          <a:fillRef idx="3">
+            <a:schemeClr val="accent5"/>
+          </a:fillRef>
+          <a:effectRef idx="3">
+            <a:schemeClr val="accent5"/>
+          </a:effectRef>
+          <a:fontRef idx="minor">
+            <a:schemeClr val="lt1"/>
+          </a:fontRef>
+        </p:style>
+        <p:txBody>
+          <a:bodyPr wrap="none" rtlCol="0">
+            <a:spAutoFit/>
+          </a:bodyPr>
+          <a:lstStyle/>
+          <a:p>
+            <a:r>
+              <a:rPr kumimoji="1" lang="en-US" altLang="zh-CN" dirty="0" smtClean="0"/>
+              <a:t>ITT</a:t>
+            </a:r>
+            <a:r>
+              <a:rPr kumimoji="1" lang="en-US" altLang="zh-CN" baseline="-25000" dirty="0" smtClean="0"/>
+              <a:t>W</a:t>
+            </a:r>
+            <a:endParaRPr kumimoji="1" lang="zh-CN" altLang="en-US" dirty="0"/>
+          </a:p>
+        </p:txBody>
+      </p:sp>
+      <p:sp>
+        <p:nvSpPr>
+          <p:cNvPr id="5" name="文本框 4"/>
+          <p:cNvSpPr txBox="1"/>
+          <p:nvPr/>
+        </p:nvSpPr>
+        <p:spPr>
+          <a:xfrm rot="1713524">
+            <a:off x="1871512" y="1730278"/>
+            <a:ext cx="1960505" cy="369332"/>
+          </a:xfrm>
+          <a:prstGeom prst="rect">
+            <a:avLst/>
+          </a:prstGeom>
+        </p:spPr>
+        <p:style>
+          <a:lnRef idx="3">
+            <a:schemeClr val="lt1"/>
+          </a:lnRef>
+          <a:fillRef idx="1">
+            <a:schemeClr val="accent4"/>
+          </a:fillRef>
+          <a:effectRef idx="1">
+            <a:schemeClr val="accent4"/>
+          </a:effectRef>
+          <a:fontRef idx="minor">
+            <a:schemeClr val="lt1"/>
+          </a:fontRef>
+        </p:style>
+        <p:txBody>
+          <a:bodyPr wrap="none" rtlCol="0">
+            <a:spAutoFit/>
+          </a:bodyPr>
+          <a:lstStyle/>
+          <a:p>
+            <a:r>
+              <a:rPr kumimoji="1" lang="en-US" altLang="zh-CN" dirty="0" smtClean="0"/>
+              <a:t>ITT</a:t>
+            </a:r>
+            <a:r>
+              <a:rPr kumimoji="1" lang="zh-CN" altLang="zh-CN" baseline="-25000" dirty="0" smtClean="0"/>
+              <a:t>Y</a:t>
+            </a:r>
+            <a:r>
+              <a:rPr kumimoji="1" lang="en-US" altLang="zh-CN" baseline="-25000" dirty="0" smtClean="0"/>
+              <a:t> </a:t>
+            </a:r>
+            <a:r>
+              <a:rPr kumimoji="1" lang="en-US" altLang="zh-CN" dirty="0" smtClean="0"/>
+              <a:t>= </a:t>
+            </a:r>
+            <a:r>
+              <a:rPr kumimoji="1" lang="zh-CN" altLang="zh-CN" dirty="0" smtClean="0"/>
+              <a:t>I</a:t>
+            </a:r>
+            <a:r>
+              <a:rPr kumimoji="1" lang="en-US" altLang="zh-CN" dirty="0" smtClean="0"/>
+              <a:t>TT</a:t>
+            </a:r>
+            <a:r>
+              <a:rPr kumimoji="1" lang="en-US" altLang="zh-CN" baseline="-25000" dirty="0" smtClean="0"/>
+              <a:t>W </a:t>
+            </a:r>
+            <a:r>
+              <a:rPr kumimoji="1" lang="en-US" altLang="zh-CN" dirty="0" smtClean="0"/>
+              <a:t>* CACE</a:t>
+            </a:r>
+            <a:endParaRPr kumimoji="1" lang="zh-CN" altLang="en-US" dirty="0"/>
+          </a:p>
+        </p:txBody>
+      </p:sp>
+      <p:sp>
+        <p:nvSpPr>
+          <p:cNvPr id="6" name="文本框 5"/>
+          <p:cNvSpPr txBox="1"/>
+          <p:nvPr/>
+        </p:nvSpPr>
+        <p:spPr>
+          <a:xfrm>
+            <a:off x="2463203" y="3335354"/>
+            <a:ext cx="669437" cy="369332"/>
+          </a:xfrm>
+          <a:prstGeom prst="rect">
+            <a:avLst/>
+          </a:prstGeom>
+        </p:spPr>
+        <p:style>
+          <a:lnRef idx="3">
+            <a:schemeClr val="lt1"/>
+          </a:lnRef>
+          <a:fillRef idx="1">
+            <a:schemeClr val="accent2"/>
+          </a:fillRef>
+          <a:effectRef idx="1">
+            <a:schemeClr val="accent2"/>
+          </a:effectRef>
+          <a:fontRef idx="minor">
+            <a:schemeClr val="lt1"/>
+          </a:fontRef>
+        </p:style>
+        <p:txBody>
+          <a:bodyPr wrap="none" rtlCol="0">
+            <a:spAutoFit/>
+          </a:bodyPr>
+          <a:lstStyle/>
+          <a:p>
+            <a:r>
+              <a:rPr kumimoji="1" lang="zh-CN" altLang="zh-CN" dirty="0" smtClean="0"/>
+              <a:t>C</a:t>
+            </a:r>
+            <a:r>
+              <a:rPr kumimoji="1" lang="en-US" altLang="zh-CN" dirty="0" smtClean="0"/>
+              <a:t>ACE</a:t>
+            </a:r>
+            <a:endParaRPr kumimoji="1" lang="zh-CN" altLang="en-US" dirty="0"/>
+          </a:p>
+        </p:txBody>
+      </p:sp>
+      <p:sp>
+        <p:nvSpPr>
+          <p:cNvPr id="7" name="右箭头 6"/>
+          <p:cNvSpPr/>
+          <p:nvPr/>
+        </p:nvSpPr>
+        <p:spPr>
+          <a:xfrm rot="1703548">
+            <a:off x="1164672" y="2090383"/>
+            <a:ext cx="2980923" cy="346364"/>
+          </a:xfrm>
+          <a:prstGeom prst="rightArrow">
+            <a:avLst/>
+          </a:prstGeom>
+          <a:noFill/>
+          <a:ln>
+            <a:prstDash val="dash"/>
+          </a:ln>
+        </p:spPr>
+        <p:style>
+          <a:lnRef idx="1">
+            <a:schemeClr val="accent1"/>
+          </a:lnRef>
+          <a:fillRef idx="3">
+            <a:schemeClr val="accent1"/>
+          </a:fillRef>
+          <a:effectRef idx="2">
+            <a:schemeClr val="accent1"/>
+          </a:effectRef>
+          <a:fontRef idx="minor">
+            <a:schemeClr val="lt1"/>
+          </a:fontRef>
+        </p:style>
+        <p:txBody>
+          <a:bodyPr rtlCol="0" anchor="ctr"/>
+          <a:lstStyle/>
+          <a:p>
+            <a:pPr algn="ctr"/>
+            <a:endParaRPr kumimoji="1" lang="zh-CN" altLang="en-US">
+              <a:solidFill>
+                <a:srgbClr val="9DE05F"/>
+              </a:solidFill>
+            </a:endParaRPr>
+          </a:p>
+        </p:txBody>
+      </p:sp>
+    </p:spTree>
+    <p:extLst>
+      <p:ext uri="{BB962C8B-B14F-4D97-AF65-F5344CB8AC3E}">
+        <p14:creationId xmlns:p14="http://schemas.microsoft.com/office/powerpoint/2010/main" val="1720676766"/>
+      </p:ext>
+    </p:extLst>
+  </p:cSld>
+  <p:clrMapOvr>
+    <a:masterClrMapping/>
+  </p:clrMapOvr>
+</p:sld>
+</file>
+
+<file path=ppt/slides/slide4.xml><?xml version="1.0" encoding="utf-8"?>
+<p:sld xmlns:a="http://schemas.openxmlformats.org/drawingml/2006/main" xmlns:r="http://schemas.openxmlformats.org/officeDocument/2006/relationships" xmlns:p="http://schemas.openxmlformats.org/presentationml/2006/main">
+  <p:cSld>
+    <p:spTree>
+      <p:nvGrpSpPr>
+        <p:cNvPr id="1" name=""/>
+        <p:cNvGrpSpPr/>
+        <p:nvPr/>
+      </p:nvGrpSpPr>
+      <p:grpSpPr>
+        <a:xfrm>
+          <a:off x="0" y="0"/>
+          <a:ext cx="0" cy="0"/>
+          <a:chOff x="0" y="0"/>
+          <a:chExt cx="0" cy="0"/>
+        </a:xfrm>
+      </p:grpSpPr>
+      <p:pic>
+        <p:nvPicPr>
+          <p:cNvPr id="3" name="图片 2"/>
+          <p:cNvPicPr>
+            <a:picLocks noChangeAspect="1"/>
+          </p:cNvPicPr>
+          <p:nvPr/>
+        </p:nvPicPr>
+        <p:blipFill rotWithShape="1">
+          <a:blip r:embed="rId2"/>
+          <a:srcRect l="63204" r="9330" b="28255"/>
+          <a:stretch/>
+        </p:blipFill>
+        <p:spPr>
+          <a:xfrm>
+            <a:off x="4272118" y="1257300"/>
+            <a:ext cx="1911548" cy="2296134"/>
+          </a:xfrm>
+          <a:prstGeom prst="rect">
+            <a:avLst/>
+          </a:prstGeom>
+        </p:spPr>
+      </p:pic>
+      <p:pic>
+        <p:nvPicPr>
+          <p:cNvPr id="4" name="图片 3"/>
+          <p:cNvPicPr>
+            <a:picLocks noChangeAspect="1"/>
+          </p:cNvPicPr>
+          <p:nvPr/>
+        </p:nvPicPr>
+        <p:blipFill>
+          <a:blip r:embed="rId3"/>
+          <a:stretch>
+            <a:fillRect/>
+          </a:stretch>
+        </p:blipFill>
+        <p:spPr>
+          <a:xfrm>
+            <a:off x="2553007" y="1283468"/>
+            <a:ext cx="1708027" cy="2289109"/>
+          </a:xfrm>
+          <a:prstGeom prst="rect">
+            <a:avLst/>
+          </a:prstGeom>
+        </p:spPr>
+      </p:pic>
+      <p:pic>
+        <p:nvPicPr>
+          <p:cNvPr id="5" name="图片 4"/>
+          <p:cNvPicPr>
+            <a:picLocks noChangeAspect="1"/>
+          </p:cNvPicPr>
+          <p:nvPr/>
+        </p:nvPicPr>
+        <p:blipFill>
+          <a:blip r:embed="rId4"/>
+          <a:stretch>
+            <a:fillRect/>
+          </a:stretch>
+        </p:blipFill>
+        <p:spPr>
+          <a:xfrm>
+            <a:off x="6189987" y="1255760"/>
+            <a:ext cx="2224719" cy="2284846"/>
+          </a:xfrm>
+          <a:prstGeom prst="rect">
+            <a:avLst/>
+          </a:prstGeom>
+        </p:spPr>
+      </p:pic>
+      <p:pic>
+        <p:nvPicPr>
+          <p:cNvPr id="6" name="图片 5"/>
+          <p:cNvPicPr>
+            <a:picLocks noChangeAspect="1"/>
+          </p:cNvPicPr>
+          <p:nvPr/>
+        </p:nvPicPr>
+        <p:blipFill>
+          <a:blip r:embed="rId5"/>
+          <a:stretch>
+            <a:fillRect/>
+          </a:stretch>
+        </p:blipFill>
+        <p:spPr>
+          <a:xfrm>
+            <a:off x="-1199751" y="1246909"/>
+            <a:ext cx="2794000" cy="3670300"/>
+          </a:xfrm>
+          <a:prstGeom prst="rect">
+            <a:avLst/>
+          </a:prstGeom>
+        </p:spPr>
+      </p:pic>
+      <p:sp>
+        <p:nvSpPr>
+          <p:cNvPr id="7" name="矩形 6"/>
+          <p:cNvSpPr/>
+          <p:nvPr/>
+        </p:nvSpPr>
+        <p:spPr>
+          <a:xfrm>
+            <a:off x="3107068" y="3583872"/>
+            <a:ext cx="5655264" cy="1477328"/>
+          </a:xfrm>
+          <a:prstGeom prst="rect">
+            <a:avLst/>
+          </a:prstGeom>
+        </p:spPr>
+        <p:txBody>
+          <a:bodyPr wrap="square">
+            <a:spAutoFit/>
+          </a:bodyPr>
+          <a:lstStyle/>
+          <a:p>
+            <a:pPr algn="ctr"/>
+            <a:r>
+              <a:rPr lang="en-US" altLang="zh-CN" b="1" dirty="0"/>
+              <a:t>Deep Learning</a:t>
+            </a:r>
+          </a:p>
+          <a:p>
+            <a:pPr algn="ctr"/>
+            <a:r>
+              <a:rPr lang="en-US" altLang="zh-CN" dirty="0"/>
+              <a:t>Ian </a:t>
+            </a:r>
+            <a:r>
+              <a:rPr lang="en-US" altLang="zh-CN" dirty="0" err="1" smtClean="0"/>
+              <a:t>Goodfellow</a:t>
+            </a:r>
+            <a:r>
+              <a:rPr lang="en-US" altLang="zh-CN" dirty="0" smtClean="0"/>
+              <a:t>, </a:t>
+            </a:r>
+            <a:r>
+              <a:rPr lang="en-US" altLang="zh-CN" dirty="0" err="1" smtClean="0"/>
+              <a:t>Yoshua</a:t>
+            </a:r>
+            <a:r>
+              <a:rPr lang="en-US" altLang="zh-CN" dirty="0" smtClean="0"/>
+              <a:t> </a:t>
+            </a:r>
+            <a:r>
+              <a:rPr lang="en-US" altLang="zh-CN" dirty="0" err="1"/>
+              <a:t>Bengio</a:t>
+            </a:r>
+            <a:r>
+              <a:rPr lang="en-US" altLang="zh-CN" dirty="0"/>
+              <a:t> and </a:t>
+            </a:r>
+            <a:r>
+              <a:rPr lang="en-US" altLang="zh-CN" dirty="0"/>
+              <a:t>Aaron </a:t>
+            </a:r>
+            <a:r>
+              <a:rPr lang="en-US" altLang="zh-CN" dirty="0" err="1"/>
+              <a:t>Courville</a:t>
+            </a:r>
+            <a:endParaRPr lang="en-US" altLang="zh-CN" dirty="0"/>
+          </a:p>
+          <a:p>
+            <a:pPr algn="ctr"/>
+            <a:r>
+              <a:rPr lang="is-IS" altLang="zh-CN" dirty="0" smtClean="0"/>
+              <a:t>2016</a:t>
+            </a:r>
+            <a:r>
+              <a:rPr lang="zh-CN" altLang="en-US" dirty="0" smtClean="0"/>
+              <a:t> </a:t>
+            </a:r>
+            <a:r>
+              <a:rPr lang="en-US" altLang="zh-CN" dirty="0" smtClean="0"/>
+              <a:t>MIT </a:t>
+            </a:r>
+            <a:r>
+              <a:rPr lang="en-US" altLang="zh-CN" dirty="0"/>
+              <a:t>Press</a:t>
+            </a:r>
+          </a:p>
+          <a:p>
+            <a:pPr algn="ctr"/>
+            <a:r>
+              <a:rPr lang="en-US" altLang="zh-CN" dirty="0"/>
+              <a:t>http://</a:t>
+            </a:r>
+            <a:r>
+              <a:rPr lang="en-US" altLang="zh-CN" dirty="0" err="1"/>
+              <a:t>www.deeplearningbook.org</a:t>
+            </a:r>
+            <a:endParaRPr lang="en-US" altLang="zh-CN" dirty="0"/>
+          </a:p>
+          <a:p>
+            <a:pPr algn="ctr"/>
+            <a:endParaRPr lang="en-US" altLang="zh-CN" dirty="0"/>
+          </a:p>
+        </p:txBody>
+      </p:sp>
+    </p:spTree>
+    <p:extLst>
+      <p:ext uri="{BB962C8B-B14F-4D97-AF65-F5344CB8AC3E}">
+        <p14:creationId xmlns:p14="http://schemas.microsoft.com/office/powerpoint/2010/main" val="2815277744"/>
       </p:ext>
     </p:extLst>
   </p:cSld>
